--- a/Assigment/HW_0.5_ClassProject.pptx
+++ b/Assigment/HW_0.5_ClassProject.pptx
@@ -290,7 +290,7 @@
           <a:p>
             <a:fld id="{7CF5D224-D1FB-48A7-8A7F-F94BD9BB1843}" type="datetimeFigureOut">
               <a:rPr lang="es-EC" smtClean="0"/>
-              <a:t>27/09/2019</a:t>
+              <a:t>04/11/2019</a:t>
             </a:fld>
             <a:endParaRPr lang="es-EC"/>
           </a:p>
@@ -460,7 +460,7 @@
           <a:p>
             <a:fld id="{7CF5D224-D1FB-48A7-8A7F-F94BD9BB1843}" type="datetimeFigureOut">
               <a:rPr lang="es-EC" smtClean="0"/>
-              <a:t>27/09/2019</a:t>
+              <a:t>04/11/2019</a:t>
             </a:fld>
             <a:endParaRPr lang="es-EC"/>
           </a:p>
@@ -640,7 +640,7 @@
           <a:p>
             <a:fld id="{7CF5D224-D1FB-48A7-8A7F-F94BD9BB1843}" type="datetimeFigureOut">
               <a:rPr lang="es-EC" smtClean="0"/>
-              <a:t>27/09/2019</a:t>
+              <a:t>04/11/2019</a:t>
             </a:fld>
             <a:endParaRPr lang="es-EC"/>
           </a:p>
@@ -810,7 +810,7 @@
           <a:p>
             <a:fld id="{7CF5D224-D1FB-48A7-8A7F-F94BD9BB1843}" type="datetimeFigureOut">
               <a:rPr lang="es-EC" smtClean="0"/>
-              <a:t>27/09/2019</a:t>
+              <a:t>04/11/2019</a:t>
             </a:fld>
             <a:endParaRPr lang="es-EC"/>
           </a:p>
@@ -1056,7 +1056,7 @@
           <a:p>
             <a:fld id="{7CF5D224-D1FB-48A7-8A7F-F94BD9BB1843}" type="datetimeFigureOut">
               <a:rPr lang="es-EC" smtClean="0"/>
-              <a:t>27/09/2019</a:t>
+              <a:t>04/11/2019</a:t>
             </a:fld>
             <a:endParaRPr lang="es-EC"/>
           </a:p>
@@ -1344,7 +1344,7 @@
           <a:p>
             <a:fld id="{7CF5D224-D1FB-48A7-8A7F-F94BD9BB1843}" type="datetimeFigureOut">
               <a:rPr lang="es-EC" smtClean="0"/>
-              <a:t>27/09/2019</a:t>
+              <a:t>04/11/2019</a:t>
             </a:fld>
             <a:endParaRPr lang="es-EC"/>
           </a:p>
@@ -1766,7 +1766,7 @@
           <a:p>
             <a:fld id="{7CF5D224-D1FB-48A7-8A7F-F94BD9BB1843}" type="datetimeFigureOut">
               <a:rPr lang="es-EC" smtClean="0"/>
-              <a:t>27/09/2019</a:t>
+              <a:t>04/11/2019</a:t>
             </a:fld>
             <a:endParaRPr lang="es-EC"/>
           </a:p>
@@ -1884,7 +1884,7 @@
           <a:p>
             <a:fld id="{7CF5D224-D1FB-48A7-8A7F-F94BD9BB1843}" type="datetimeFigureOut">
               <a:rPr lang="es-EC" smtClean="0"/>
-              <a:t>27/09/2019</a:t>
+              <a:t>04/11/2019</a:t>
             </a:fld>
             <a:endParaRPr lang="es-EC"/>
           </a:p>
@@ -1979,7 +1979,7 @@
           <a:p>
             <a:fld id="{7CF5D224-D1FB-48A7-8A7F-F94BD9BB1843}" type="datetimeFigureOut">
               <a:rPr lang="es-EC" smtClean="0"/>
-              <a:t>27/09/2019</a:t>
+              <a:t>04/11/2019</a:t>
             </a:fld>
             <a:endParaRPr lang="es-EC"/>
           </a:p>
@@ -2256,7 +2256,7 @@
           <a:p>
             <a:fld id="{7CF5D224-D1FB-48A7-8A7F-F94BD9BB1843}" type="datetimeFigureOut">
               <a:rPr lang="es-EC" smtClean="0"/>
-              <a:t>27/09/2019</a:t>
+              <a:t>04/11/2019</a:t>
             </a:fld>
             <a:endParaRPr lang="es-EC"/>
           </a:p>
@@ -2509,7 +2509,7 @@
           <a:p>
             <a:fld id="{7CF5D224-D1FB-48A7-8A7F-F94BD9BB1843}" type="datetimeFigureOut">
               <a:rPr lang="es-EC" smtClean="0"/>
-              <a:t>27/09/2019</a:t>
+              <a:t>04/11/2019</a:t>
             </a:fld>
             <a:endParaRPr lang="es-EC"/>
           </a:p>
@@ -2722,7 +2722,7 @@
           <a:p>
             <a:fld id="{7CF5D224-D1FB-48A7-8A7F-F94BD9BB1843}" type="datetimeFigureOut">
               <a:rPr lang="es-EC" smtClean="0"/>
-              <a:t>27/09/2019</a:t>
+              <a:t>04/11/2019</a:t>
             </a:fld>
             <a:endParaRPr lang="es-EC"/>
           </a:p>
@@ -3127,13 +3127,13 @@
       </p:sp>
       <p:pic>
         <p:nvPicPr>
-          <p:cNvPr id="5" name="4 Imagen"/>
+          <p:cNvPr id="4" name="3 Imagen"/>
           <p:cNvPicPr>
             <a:picLocks noChangeAspect="1"/>
           </p:cNvPicPr>
           <p:nvPr/>
         </p:nvPicPr>
-        <p:blipFill>
+        <p:blipFill rotWithShape="1">
           <a:blip r:embed="rId2">
             <a:extLst>
               <a:ext uri="{28A0092B-C50C-407E-A947-70E740481C1C}">
@@ -3141,14 +3141,13 @@
               </a:ext>
             </a:extLst>
           </a:blip>
-          <a:stretch>
-            <a:fillRect/>
-          </a:stretch>
+          <a:srcRect t="17314" b="20000"/>
+          <a:stretch/>
         </p:blipFill>
         <p:spPr>
           <a:xfrm>
-            <a:off x="3748980" y="-27384"/>
-            <a:ext cx="5143500" cy="6858000"/>
+            <a:off x="3851920" y="764704"/>
+            <a:ext cx="4850248" cy="5400600"/>
           </a:xfrm>
           <a:prstGeom prst="rect">
             <a:avLst/>
@@ -3187,7 +3186,7 @@
       </p:grpSpPr>
       <p:pic>
         <p:nvPicPr>
-          <p:cNvPr id="2" name="1 Imagen"/>
+          <p:cNvPr id="3" name="2 Imagen"/>
           <p:cNvPicPr>
             <a:picLocks noChangeAspect="1"/>
           </p:cNvPicPr>
@@ -3201,19 +3200,61 @@
               </a:ext>
             </a:extLst>
           </a:blip>
-          <a:srcRect b="20101"/>
+          <a:srcRect t="14727" b="34129"/>
           <a:stretch/>
         </p:blipFill>
         <p:spPr>
           <a:xfrm rot="16200000">
-            <a:off x="2117363" y="524162"/>
-            <a:ext cx="4648629" cy="6597353"/>
+            <a:off x="2520155" y="1160365"/>
+            <a:ext cx="5497388" cy="4994098"/>
           </a:xfrm>
           <a:prstGeom prst="rect">
             <a:avLst/>
           </a:prstGeom>
         </p:spPr>
       </p:pic>
+      <p:sp>
+        <p:nvSpPr>
+          <p:cNvPr id="4" name="3 Rectángulo"/>
+          <p:cNvSpPr/>
+          <p:nvPr/>
+        </p:nvSpPr>
+        <p:spPr>
+          <a:xfrm>
+            <a:off x="467544" y="476672"/>
+            <a:ext cx="1296144" cy="576064"/>
+          </a:xfrm>
+          <a:prstGeom prst="rect">
+            <a:avLst/>
+          </a:prstGeom>
+        </p:spPr>
+        <p:style>
+          <a:lnRef idx="0">
+            <a:schemeClr val="accent3"/>
+          </a:lnRef>
+          <a:fillRef idx="3">
+            <a:schemeClr val="accent3"/>
+          </a:fillRef>
+          <a:effectRef idx="3">
+            <a:schemeClr val="accent3"/>
+          </a:effectRef>
+          <a:fontRef idx="minor">
+            <a:schemeClr val="lt1"/>
+          </a:fontRef>
+        </p:style>
+        <p:txBody>
+          <a:bodyPr rtlCol="0" anchor="ctr"/>
+          <a:lstStyle/>
+          <a:p>
+            <a:pPr algn="ctr"/>
+            <a:r>
+              <a:rPr lang="es-EC" dirty="0" smtClean="0"/>
+              <a:t>CLASS</a:t>
+            </a:r>
+            <a:endParaRPr lang="es-EC" dirty="0"/>
+          </a:p>
+        </p:txBody>
+      </p:sp>
     </p:spTree>
     <p:extLst>
       <p:ext uri="{BB962C8B-B14F-4D97-AF65-F5344CB8AC3E}">
@@ -3246,9 +3287,9 @@
       </p:grpSpPr>
       <p:pic>
         <p:nvPicPr>
-          <p:cNvPr id="2" name="1 Imagen"/>
+          <p:cNvPr id="1026" name="Picture 2"/>
           <p:cNvPicPr>
-            <a:picLocks noChangeAspect="1"/>
+            <a:picLocks noChangeAspect="1" noChangeArrowheads="1"/>
           </p:cNvPicPr>
           <p:nvPr/>
         </p:nvPicPr>
@@ -3260,17 +3301,50 @@
               </a:ext>
             </a:extLst>
           </a:blip>
-          <a:srcRect r="36818" b="21273"/>
+          <a:srcRect r="24057" b="8395"/>
           <a:stretch/>
         </p:blipFill>
-        <p:spPr>
+        <p:spPr bwMode="auto">
           <a:xfrm>
-            <a:off x="539552" y="620688"/>
-            <a:ext cx="7380312" cy="5165638"/>
+            <a:off x="0" y="0"/>
+            <a:ext cx="9880979" cy="6701051"/>
           </a:xfrm>
           <a:prstGeom prst="rect">
             <a:avLst/>
           </a:prstGeom>
+          <a:noFill/>
+          <a:ln>
+            <a:noFill/>
+          </a:ln>
+          <a:effectLst/>
+          <a:extLst>
+            <a:ext uri="{909E8E84-426E-40DD-AFC4-6F175D3DCCD1}">
+              <a14:hiddenFill xmlns:a14="http://schemas.microsoft.com/office/drawing/2010/main">
+                <a:solidFill>
+                  <a:schemeClr val="accent1"/>
+                </a:solidFill>
+              </a14:hiddenFill>
+            </a:ext>
+            <a:ext uri="{91240B29-F687-4F45-9708-019B960494DF}">
+              <a14:hiddenLine xmlns:a14="http://schemas.microsoft.com/office/drawing/2010/main" w="9525">
+                <a:solidFill>
+                  <a:schemeClr val="tx1"/>
+                </a:solidFill>
+                <a:miter lim="800000"/>
+                <a:headEnd/>
+                <a:tailEnd/>
+              </a14:hiddenLine>
+            </a:ext>
+            <a:ext uri="{AF507438-7753-43E0-B8FC-AC1667EBCBE1}">
+              <a14:hiddenEffects xmlns:a14="http://schemas.microsoft.com/office/drawing/2010/main">
+                <a:effectLst>
+                  <a:outerShdw dist="35921" dir="2700000" algn="ctr" rotWithShape="0">
+                    <a:schemeClr val="bg2"/>
+                  </a:outerShdw>
+                </a:effectLst>
+              </a14:hiddenEffects>
+            </a:ext>
+          </a:extLst>
         </p:spPr>
       </p:pic>
     </p:spTree>

--- a/Assigment/HW_0.5_ClassProject.pptx
+++ b/Assigment/HW_0.5_ClassProject.pptx
@@ -8,6 +8,7 @@
     <p:sldId id="256" r:id="rId2"/>
     <p:sldId id="257" r:id="rId3"/>
     <p:sldId id="258" r:id="rId4"/>
+    <p:sldId id="259" r:id="rId5"/>
   </p:sldIdLst>
   <p:sldSz cx="9144000" cy="6858000" type="screen4x3"/>
   <p:notesSz cx="6858000" cy="9144000"/>
@@ -290,7 +291,7 @@
           <a:p>
             <a:fld id="{7CF5D224-D1FB-48A7-8A7F-F94BD9BB1843}" type="datetimeFigureOut">
               <a:rPr lang="es-EC" smtClean="0"/>
-              <a:t>04/11/2019</a:t>
+              <a:t>05/11/2019</a:t>
             </a:fld>
             <a:endParaRPr lang="es-EC"/>
           </a:p>
@@ -460,7 +461,7 @@
           <a:p>
             <a:fld id="{7CF5D224-D1FB-48A7-8A7F-F94BD9BB1843}" type="datetimeFigureOut">
               <a:rPr lang="es-EC" smtClean="0"/>
-              <a:t>04/11/2019</a:t>
+              <a:t>05/11/2019</a:t>
             </a:fld>
             <a:endParaRPr lang="es-EC"/>
           </a:p>
@@ -640,7 +641,7 @@
           <a:p>
             <a:fld id="{7CF5D224-D1FB-48A7-8A7F-F94BD9BB1843}" type="datetimeFigureOut">
               <a:rPr lang="es-EC" smtClean="0"/>
-              <a:t>04/11/2019</a:t>
+              <a:t>05/11/2019</a:t>
             </a:fld>
             <a:endParaRPr lang="es-EC"/>
           </a:p>
@@ -810,7 +811,7 @@
           <a:p>
             <a:fld id="{7CF5D224-D1FB-48A7-8A7F-F94BD9BB1843}" type="datetimeFigureOut">
               <a:rPr lang="es-EC" smtClean="0"/>
-              <a:t>04/11/2019</a:t>
+              <a:t>05/11/2019</a:t>
             </a:fld>
             <a:endParaRPr lang="es-EC"/>
           </a:p>
@@ -1056,7 +1057,7 @@
           <a:p>
             <a:fld id="{7CF5D224-D1FB-48A7-8A7F-F94BD9BB1843}" type="datetimeFigureOut">
               <a:rPr lang="es-EC" smtClean="0"/>
-              <a:t>04/11/2019</a:t>
+              <a:t>05/11/2019</a:t>
             </a:fld>
             <a:endParaRPr lang="es-EC"/>
           </a:p>
@@ -1344,7 +1345,7 @@
           <a:p>
             <a:fld id="{7CF5D224-D1FB-48A7-8A7F-F94BD9BB1843}" type="datetimeFigureOut">
               <a:rPr lang="es-EC" smtClean="0"/>
-              <a:t>04/11/2019</a:t>
+              <a:t>05/11/2019</a:t>
             </a:fld>
             <a:endParaRPr lang="es-EC"/>
           </a:p>
@@ -1766,7 +1767,7 @@
           <a:p>
             <a:fld id="{7CF5D224-D1FB-48A7-8A7F-F94BD9BB1843}" type="datetimeFigureOut">
               <a:rPr lang="es-EC" smtClean="0"/>
-              <a:t>04/11/2019</a:t>
+              <a:t>05/11/2019</a:t>
             </a:fld>
             <a:endParaRPr lang="es-EC"/>
           </a:p>
@@ -1884,7 +1885,7 @@
           <a:p>
             <a:fld id="{7CF5D224-D1FB-48A7-8A7F-F94BD9BB1843}" type="datetimeFigureOut">
               <a:rPr lang="es-EC" smtClean="0"/>
-              <a:t>04/11/2019</a:t>
+              <a:t>05/11/2019</a:t>
             </a:fld>
             <a:endParaRPr lang="es-EC"/>
           </a:p>
@@ -1979,7 +1980,7 @@
           <a:p>
             <a:fld id="{7CF5D224-D1FB-48A7-8A7F-F94BD9BB1843}" type="datetimeFigureOut">
               <a:rPr lang="es-EC" smtClean="0"/>
-              <a:t>04/11/2019</a:t>
+              <a:t>05/11/2019</a:t>
             </a:fld>
             <a:endParaRPr lang="es-EC"/>
           </a:p>
@@ -2256,7 +2257,7 @@
           <a:p>
             <a:fld id="{7CF5D224-D1FB-48A7-8A7F-F94BD9BB1843}" type="datetimeFigureOut">
               <a:rPr lang="es-EC" smtClean="0"/>
-              <a:t>04/11/2019</a:t>
+              <a:t>05/11/2019</a:t>
             </a:fld>
             <a:endParaRPr lang="es-EC"/>
           </a:p>
@@ -2509,7 +2510,7 @@
           <a:p>
             <a:fld id="{7CF5D224-D1FB-48A7-8A7F-F94BD9BB1843}" type="datetimeFigureOut">
               <a:rPr lang="es-EC" smtClean="0"/>
-              <a:t>04/11/2019</a:t>
+              <a:t>05/11/2019</a:t>
             </a:fld>
             <a:endParaRPr lang="es-EC"/>
           </a:p>
@@ -2722,7 +2723,7 @@
           <a:p>
             <a:fld id="{7CF5D224-D1FB-48A7-8A7F-F94BD9BB1843}" type="datetimeFigureOut">
               <a:rPr lang="es-EC" smtClean="0"/>
-              <a:t>04/11/2019</a:t>
+              <a:t>05/11/2019</a:t>
             </a:fld>
             <a:endParaRPr lang="es-EC"/>
           </a:p>
@@ -3351,6 +3352,98 @@
     <p:extLst>
       <p:ext uri="{BB962C8B-B14F-4D97-AF65-F5344CB8AC3E}">
         <p14:creationId xmlns:p14="http://schemas.microsoft.com/office/powerpoint/2010/main" val="1336795902"/>
+      </p:ext>
+    </p:extLst>
+  </p:cSld>
+  <p:clrMapOvr>
+    <a:masterClrMapping/>
+  </p:clrMapOvr>
+</p:sld>
+</file>
+
+<file path=ppt/slides/slide4.xml><?xml version="1.0" encoding="utf-8"?>
+<p:sld xmlns:a="http://schemas.openxmlformats.org/drawingml/2006/main" xmlns:r="http://schemas.openxmlformats.org/officeDocument/2006/relationships" xmlns:p="http://schemas.openxmlformats.org/presentationml/2006/main">
+  <p:cSld>
+    <p:spTree>
+      <p:nvGrpSpPr>
+        <p:cNvPr id="1" name=""/>
+        <p:cNvGrpSpPr/>
+        <p:nvPr/>
+      </p:nvGrpSpPr>
+      <p:grpSpPr>
+        <a:xfrm>
+          <a:off x="0" y="0"/>
+          <a:ext cx="0" cy="0"/>
+          <a:chOff x="0" y="0"/>
+          <a:chExt cx="0" cy="0"/>
+        </a:xfrm>
+      </p:grpSpPr>
+      <p:pic>
+        <p:nvPicPr>
+          <p:cNvPr id="4" name="Picture 2"/>
+          <p:cNvPicPr>
+            <a:picLocks noChangeAspect="1" noChangeArrowheads="1"/>
+          </p:cNvPicPr>
+          <p:nvPr/>
+        </p:nvPicPr>
+        <p:blipFill rotWithShape="1">
+          <a:blip r:embed="rId2">
+            <a:extLst>
+              <a:ext uri="{28A0092B-C50C-407E-A947-70E740481C1C}">
+                <a14:useLocalDpi xmlns:a14="http://schemas.microsoft.com/office/drawing/2010/main" val="0"/>
+              </a:ext>
+            </a:extLst>
+          </a:blip>
+          <a:srcRect t="3409" r="19905" b="12302"/>
+          <a:stretch/>
+        </p:blipFill>
+        <p:spPr bwMode="auto">
+          <a:xfrm>
+            <a:off x="755576" y="692696"/>
+            <a:ext cx="7524328" cy="4451910"/>
+          </a:xfrm>
+          <a:prstGeom prst="rect">
+            <a:avLst/>
+          </a:prstGeom>
+          <a:noFill/>
+          <a:ln>
+            <a:noFill/>
+          </a:ln>
+          <a:effectLst/>
+          <a:extLst>
+            <a:ext uri="{909E8E84-426E-40DD-AFC4-6F175D3DCCD1}">
+              <a14:hiddenFill xmlns:a14="http://schemas.microsoft.com/office/drawing/2010/main">
+                <a:solidFill>
+                  <a:schemeClr val="accent1"/>
+                </a:solidFill>
+              </a14:hiddenFill>
+            </a:ext>
+            <a:ext uri="{91240B29-F687-4F45-9708-019B960494DF}">
+              <a14:hiddenLine xmlns:a14="http://schemas.microsoft.com/office/drawing/2010/main" w="9525">
+                <a:solidFill>
+                  <a:schemeClr val="tx1"/>
+                </a:solidFill>
+                <a:miter lim="800000"/>
+                <a:headEnd/>
+                <a:tailEnd/>
+              </a14:hiddenLine>
+            </a:ext>
+            <a:ext uri="{AF507438-7753-43E0-B8FC-AC1667EBCBE1}">
+              <a14:hiddenEffects xmlns:a14="http://schemas.microsoft.com/office/drawing/2010/main">
+                <a:effectLst>
+                  <a:outerShdw dist="35921" dir="2700000" algn="ctr" rotWithShape="0">
+                    <a:schemeClr val="bg2"/>
+                  </a:outerShdw>
+                </a:effectLst>
+              </a14:hiddenEffects>
+            </a:ext>
+          </a:extLst>
+        </p:spPr>
+      </p:pic>
+    </p:spTree>
+    <p:extLst>
+      <p:ext uri="{BB962C8B-B14F-4D97-AF65-F5344CB8AC3E}">
+        <p14:creationId xmlns:p14="http://schemas.microsoft.com/office/powerpoint/2010/main" val="885375724"/>
       </p:ext>
     </p:extLst>
   </p:cSld>
